--- a/graphAlgorithms/shortPaths/figs.pptx
+++ b/graphAlgorithms/shortPaths/figs.pptx
@@ -26243,7 +26243,7 @@
                   <a:rPr lang="en-US" sz="1400" dirty="0">
                     <a:latin typeface="+mn-lt"/>
                   </a:rPr>
-                  <a:t>4</a:t>
+                  <a:t>1</a:t>
                 </a:r>
               </a:p>
             </p:txBody>
@@ -26262,7 +26262,7 @@
             </p:nvSpPr>
             <p:spPr>
               <a:xfrm>
-                <a:off x="3963629" y="3312276"/>
+                <a:off x="3963629" y="3347836"/>
                 <a:ext cx="113814" cy="215444"/>
               </a:xfrm>
               <a:prstGeom prst="rect">
@@ -26360,7 +26360,7 @@
                   <a:rPr lang="en-US" sz="1400" dirty="0">
                     <a:latin typeface="+mn-lt"/>
                   </a:rPr>
-                  <a:t>3</a:t>
+                  <a:t>1</a:t>
                 </a:r>
               </a:p>
             </p:txBody>
@@ -26516,7 +26516,7 @@
                   <a:rPr lang="en-US" sz="1400" dirty="0">
                     <a:latin typeface="+mn-lt"/>
                   </a:rPr>
-                  <a:t>2</a:t>
+                  <a:t>1</a:t>
                 </a:r>
               </a:p>
             </p:txBody>
@@ -26633,7 +26633,7 @@
                   <a:rPr lang="en-US" sz="1400" dirty="0">
                     <a:latin typeface="+mn-lt"/>
                   </a:rPr>
-                  <a:t>0</a:t>
+                  <a:t>1</a:t>
                 </a:r>
               </a:p>
             </p:txBody>
@@ -26696,10 +26696,10 @@
         </p:nvGrpSpPr>
         <p:grpSpPr>
           <a:xfrm>
-            <a:off x="742960" y="3536926"/>
-            <a:ext cx="5412922" cy="1436688"/>
-            <a:chOff x="742960" y="3536926"/>
-            <a:chExt cx="5412922" cy="1436688"/>
+            <a:off x="742960" y="3527402"/>
+            <a:ext cx="5412922" cy="1446214"/>
+            <a:chOff x="742960" y="3527402"/>
+            <a:chExt cx="5412922" cy="1446214"/>
           </a:xfrm>
         </p:grpSpPr>
         <p:grpSp>
@@ -26712,10 +26712,10 @@
           </p:nvGrpSpPr>
           <p:grpSpPr bwMode="auto">
             <a:xfrm>
-              <a:off x="742960" y="3536926"/>
-              <a:ext cx="2851150" cy="1436688"/>
-              <a:chOff x="552" y="1780"/>
-              <a:chExt cx="1796" cy="905"/>
+              <a:off x="742960" y="3527402"/>
+              <a:ext cx="2874963" cy="1446214"/>
+              <a:chOff x="552" y="1774"/>
+              <a:chExt cx="1811" cy="911"/>
             </a:xfrm>
           </p:grpSpPr>
           <p:sp>
@@ -27547,8 +27547,8 @@
             </p:nvSpPr>
             <p:spPr bwMode="auto">
               <a:xfrm>
-                <a:off x="2208" y="2092"/>
-                <a:ext cx="140" cy="155"/>
+                <a:off x="2199" y="2080"/>
+                <a:ext cx="164" cy="155"/>
               </a:xfrm>
               <a:prstGeom prst="rect">
                 <a:avLst/>
@@ -27574,10 +27574,10 @@
                   </a:spcBef>
                 </a:pPr>
                 <a:r>
-                  <a:rPr lang="en-US">
+                  <a:rPr lang="en-US" dirty="0">
                     <a:latin typeface="+mn-lt"/>
                   </a:rPr>
-                  <a:t>-3</a:t>
+                  <a:t>–3</a:t>
                 </a:r>
               </a:p>
             </p:txBody>
@@ -27637,7 +27637,7 @@
             </p:nvSpPr>
             <p:spPr bwMode="auto">
               <a:xfrm>
-                <a:off x="1752" y="2220"/>
+                <a:off x="1746" y="2217"/>
                 <a:ext cx="82" cy="155"/>
               </a:xfrm>
               <a:prstGeom prst="rect">
@@ -27727,8 +27727,8 @@
             </p:nvSpPr>
             <p:spPr bwMode="auto">
               <a:xfrm>
-                <a:off x="1800" y="1904"/>
-                <a:ext cx="140" cy="155"/>
+                <a:off x="1790" y="1904"/>
+                <a:ext cx="164" cy="155"/>
               </a:xfrm>
               <a:prstGeom prst="rect">
                 <a:avLst/>
@@ -27754,10 +27754,10 @@
                   </a:spcBef>
                 </a:pPr>
                 <a:r>
-                  <a:rPr lang="en-US">
+                  <a:rPr lang="en-US" dirty="0">
                     <a:latin typeface="+mn-lt"/>
                   </a:rPr>
-                  <a:t>-1</a:t>
+                  <a:t>–1</a:t>
                 </a:r>
               </a:p>
             </p:txBody>
@@ -27817,8 +27817,8 @@
             </p:nvSpPr>
             <p:spPr bwMode="auto">
               <a:xfrm>
-                <a:off x="1616" y="1780"/>
-                <a:ext cx="140" cy="155"/>
+                <a:off x="1613" y="1774"/>
+                <a:ext cx="164" cy="155"/>
               </a:xfrm>
               <a:prstGeom prst="rect">
                 <a:avLst/>
@@ -27844,10 +27844,10 @@
                   </a:spcBef>
                 </a:pPr>
                 <a:r>
-                  <a:rPr lang="en-US">
+                  <a:rPr lang="en-US" dirty="0">
                     <a:latin typeface="+mn-lt"/>
                   </a:rPr>
-                  <a:t>-2</a:t>
+                  <a:t>–2</a:t>
                 </a:r>
               </a:p>
             </p:txBody>
@@ -27907,8 +27907,8 @@
             </p:nvSpPr>
             <p:spPr bwMode="auto">
               <a:xfrm>
-                <a:off x="1360" y="2120"/>
-                <a:ext cx="140" cy="155"/>
+                <a:off x="1342" y="2120"/>
+                <a:ext cx="164" cy="155"/>
               </a:xfrm>
               <a:prstGeom prst="rect">
                 <a:avLst/>
@@ -27934,10 +27934,10 @@
                   </a:spcBef>
                 </a:pPr>
                 <a:r>
-                  <a:rPr lang="en-US">
+                  <a:rPr lang="en-US" dirty="0">
                     <a:latin typeface="+mn-lt"/>
                   </a:rPr>
-                  <a:t>-2</a:t>
+                  <a:t>–2</a:t>
                 </a:r>
               </a:p>
             </p:txBody>

--- a/graphAlgorithms/shortPaths/figs.pptx
+++ b/graphAlgorithms/shortPaths/figs.pptx
@@ -10497,7 +10497,7 @@
     <p:bg>
       <p:bgPr>
         <a:solidFill>
-          <a:schemeClr val="bg1"/>
+          <a:srgbClr val="FFFFE0"/>
         </a:solidFill>
         <a:effectLst/>
       </p:bgPr>
@@ -17720,7 +17720,7 @@
               <a:avLst/>
             </a:prstGeom>
             <a:solidFill>
-              <a:schemeClr val="bg1"/>
+              <a:srgbClr val="FFFFE0"/>
             </a:solidFill>
           </p:spPr>
           <p:txBody>
@@ -17753,7 +17753,7 @@
               <a:avLst/>
             </a:prstGeom>
             <a:solidFill>
-              <a:schemeClr val="bg1"/>
+              <a:srgbClr val="FFFFE0"/>
             </a:solidFill>
           </p:spPr>
           <p:txBody>
@@ -17786,7 +17786,7 @@
               <a:avLst/>
             </a:prstGeom>
             <a:solidFill>
-              <a:schemeClr val="bg1"/>
+              <a:srgbClr val="FFFFE0"/>
             </a:solidFill>
           </p:spPr>
           <p:txBody>
@@ -17819,7 +17819,7 @@
               <a:avLst/>
             </a:prstGeom>
             <a:solidFill>
-              <a:schemeClr val="bg1"/>
+              <a:srgbClr val="FFFFE0"/>
             </a:solidFill>
           </p:spPr>
           <p:txBody>
@@ -17852,7 +17852,7 @@
               <a:avLst/>
             </a:prstGeom>
             <a:solidFill>
-              <a:schemeClr val="bg1"/>
+              <a:srgbClr val="FFFFE0"/>
             </a:solidFill>
           </p:spPr>
           <p:txBody>
@@ -17885,7 +17885,7 @@
               <a:avLst/>
             </a:prstGeom>
             <a:solidFill>
-              <a:schemeClr val="bg1"/>
+              <a:srgbClr val="FFFFE0"/>
             </a:solidFill>
           </p:spPr>
           <p:txBody>
@@ -17918,7 +17918,7 @@
               <a:avLst/>
             </a:prstGeom>
             <a:solidFill>
-              <a:schemeClr val="bg1"/>
+              <a:srgbClr val="FFFFE0"/>
             </a:solidFill>
           </p:spPr>
           <p:txBody>
@@ -17944,14 +17944,14 @@
           </p:nvSpPr>
           <p:spPr>
             <a:xfrm>
-              <a:off x="1476375" y="1619250"/>
+              <a:off x="1550517" y="1619250"/>
               <a:ext cx="129844" cy="246221"/>
             </a:xfrm>
             <a:prstGeom prst="rect">
               <a:avLst/>
             </a:prstGeom>
             <a:solidFill>
-              <a:schemeClr val="bg1"/>
+              <a:srgbClr val="FFFFE0"/>
             </a:solidFill>
           </p:spPr>
           <p:txBody>
@@ -17984,7 +17984,7 @@
               <a:avLst/>
             </a:prstGeom>
             <a:solidFill>
-              <a:schemeClr val="bg1"/>
+              <a:srgbClr val="FFFFE0"/>
             </a:solidFill>
           </p:spPr>
           <p:txBody>
@@ -18017,7 +18017,7 @@
               <a:avLst/>
             </a:prstGeom>
             <a:solidFill>
-              <a:schemeClr val="bg1"/>
+              <a:srgbClr val="FFFFE0"/>
             </a:solidFill>
           </p:spPr>
           <p:txBody>
@@ -18050,7 +18050,7 @@
               <a:avLst/>
             </a:prstGeom>
             <a:solidFill>
-              <a:schemeClr val="bg1"/>
+              <a:srgbClr val="FFFFE0"/>
             </a:solidFill>
           </p:spPr>
           <p:txBody>
@@ -18083,7 +18083,7 @@
               <a:avLst/>
             </a:prstGeom>
             <a:solidFill>
-              <a:schemeClr val="bg1"/>
+              <a:srgbClr val="FFFFE0"/>
             </a:solidFill>
           </p:spPr>
           <p:txBody>
@@ -19126,7 +19126,7 @@
               <a:avLst/>
             </a:prstGeom>
             <a:solidFill>
-              <a:schemeClr val="bg1"/>
+              <a:srgbClr val="FFFFE0"/>
             </a:solidFill>
           </p:spPr>
           <p:txBody>
@@ -19159,7 +19159,7 @@
               <a:avLst/>
             </a:prstGeom>
             <a:solidFill>
-              <a:schemeClr val="bg1"/>
+              <a:srgbClr val="FFFFE0"/>
             </a:solidFill>
           </p:spPr>
           <p:txBody>
@@ -19192,7 +19192,7 @@
               <a:avLst/>
             </a:prstGeom>
             <a:solidFill>
-              <a:schemeClr val="bg1"/>
+              <a:srgbClr val="FFFFE0"/>
             </a:solidFill>
           </p:spPr>
           <p:txBody>
@@ -19225,7 +19225,7 @@
               <a:avLst/>
             </a:prstGeom>
             <a:solidFill>
-              <a:schemeClr val="bg1"/>
+              <a:srgbClr val="FFFFE0"/>
             </a:solidFill>
           </p:spPr>
           <p:txBody>
@@ -19258,7 +19258,7 @@
               <a:avLst/>
             </a:prstGeom>
             <a:solidFill>
-              <a:schemeClr val="bg1"/>
+              <a:srgbClr val="FFFFE0"/>
             </a:solidFill>
           </p:spPr>
           <p:txBody>
@@ -19291,7 +19291,7 @@
               <a:avLst/>
             </a:prstGeom>
             <a:solidFill>
-              <a:schemeClr val="bg1"/>
+              <a:srgbClr val="FFFFE0"/>
             </a:solidFill>
           </p:spPr>
           <p:txBody>
@@ -19324,7 +19324,7 @@
               <a:avLst/>
             </a:prstGeom>
             <a:solidFill>
-              <a:schemeClr val="bg1"/>
+              <a:srgbClr val="FFFFE0"/>
             </a:solidFill>
           </p:spPr>
           <p:txBody>
@@ -19357,7 +19357,7 @@
               <a:avLst/>
             </a:prstGeom>
             <a:solidFill>
-              <a:schemeClr val="bg1"/>
+              <a:srgbClr val="FFFFE0"/>
             </a:solidFill>
           </p:spPr>
           <p:txBody>
@@ -19390,7 +19390,7 @@
               <a:avLst/>
             </a:prstGeom>
             <a:solidFill>
-              <a:schemeClr val="bg1"/>
+              <a:srgbClr val="FFFFE0"/>
             </a:solidFill>
           </p:spPr>
           <p:txBody>
@@ -19423,7 +19423,7 @@
               <a:avLst/>
             </a:prstGeom>
             <a:solidFill>
-              <a:schemeClr val="bg1"/>
+              <a:srgbClr val="FFFFE0"/>
             </a:solidFill>
           </p:spPr>
           <p:txBody>
@@ -19456,7 +19456,7 @@
               <a:avLst/>
             </a:prstGeom>
             <a:solidFill>
-              <a:schemeClr val="bg1"/>
+              <a:srgbClr val="FFFFE0"/>
             </a:solidFill>
           </p:spPr>
           <p:txBody>
@@ -19489,7 +19489,7 @@
               <a:avLst/>
             </a:prstGeom>
             <a:solidFill>
-              <a:schemeClr val="bg1"/>
+              <a:srgbClr val="FFFFE0"/>
             </a:solidFill>
           </p:spPr>
           <p:txBody>
@@ -19895,7 +19895,7 @@
                 <a:avLst/>
               </a:prstGeom>
               <a:solidFill>
-                <a:schemeClr val="bg1"/>
+                <a:srgbClr val="FFFFE0"/>
               </a:solidFill>
             </p:spPr>
             <p:txBody>
@@ -20257,7 +20257,7 @@
                 <a:avLst/>
               </a:prstGeom>
               <a:solidFill>
-                <a:schemeClr val="bg1"/>
+                <a:srgbClr val="FFFFE0"/>
               </a:solidFill>
             </p:spPr>
             <p:txBody>
@@ -20290,7 +20290,7 @@
                 <a:avLst/>
               </a:prstGeom>
               <a:solidFill>
-                <a:schemeClr val="bg1"/>
+                <a:srgbClr val="FFFFE0"/>
               </a:solidFill>
             </p:spPr>
             <p:txBody>
@@ -20323,7 +20323,7 @@
                 <a:avLst/>
               </a:prstGeom>
               <a:solidFill>
-                <a:schemeClr val="bg1"/>
+                <a:srgbClr val="FFFFE0"/>
               </a:solidFill>
             </p:spPr>
             <p:txBody>
@@ -20357,7 +20357,7 @@
               <a:avLst/>
             </a:prstGeom>
             <a:solidFill>
-              <a:schemeClr val="bg1"/>
+              <a:srgbClr val="FFFFE0"/>
             </a:solidFill>
           </p:spPr>
           <p:txBody>
@@ -24487,7 +24487,7 @@
         </p:nvGrpSpPr>
         <p:grpSpPr>
           <a:xfrm>
-            <a:off x="1333312" y="2658109"/>
+            <a:off x="1333312" y="2670466"/>
             <a:ext cx="4920228" cy="3631566"/>
             <a:chOff x="1011289" y="1994117"/>
             <a:chExt cx="4920228" cy="3631566"/>
@@ -26074,7 +26074,7 @@
                 <a:avLst/>
               </a:prstGeom>
               <a:solidFill>
-                <a:schemeClr val="bg1"/>
+                <a:srgbClr val="FFFFE0"/>
               </a:solidFill>
             </p:spPr>
             <p:txBody>
@@ -26113,7 +26113,7 @@
                 <a:avLst/>
               </a:prstGeom>
               <a:solidFill>
-                <a:schemeClr val="bg1"/>
+                <a:srgbClr val="FFFFE0"/>
               </a:solidFill>
             </p:spPr>
             <p:txBody>
@@ -26152,7 +26152,7 @@
                 <a:avLst/>
               </a:prstGeom>
               <a:solidFill>
-                <a:schemeClr val="bg1"/>
+                <a:srgbClr val="FFFFE0"/>
               </a:solidFill>
             </p:spPr>
             <p:txBody>
@@ -26191,7 +26191,7 @@
                 <a:avLst/>
               </a:prstGeom>
               <a:solidFill>
-                <a:schemeClr val="bg1"/>
+                <a:srgbClr val="FFFFE0"/>
               </a:solidFill>
             </p:spPr>
             <p:txBody>
@@ -26230,7 +26230,7 @@
                 <a:avLst/>
               </a:prstGeom>
               <a:solidFill>
-                <a:schemeClr val="bg1"/>
+                <a:srgbClr val="FFFFE0"/>
               </a:solidFill>
             </p:spPr>
             <p:txBody>
@@ -26269,7 +26269,7 @@
                 <a:avLst/>
               </a:prstGeom>
               <a:solidFill>
-                <a:schemeClr val="bg1"/>
+                <a:srgbClr val="FFFFE0"/>
               </a:solidFill>
             </p:spPr>
             <p:txBody>
@@ -26308,7 +26308,7 @@
                 <a:avLst/>
               </a:prstGeom>
               <a:solidFill>
-                <a:schemeClr val="bg1"/>
+                <a:srgbClr val="FFFFE0"/>
               </a:solidFill>
             </p:spPr>
             <p:txBody>
@@ -26347,7 +26347,7 @@
                 <a:avLst/>
               </a:prstGeom>
               <a:solidFill>
-                <a:schemeClr val="bg1"/>
+                <a:srgbClr val="FFFFE0"/>
               </a:solidFill>
             </p:spPr>
             <p:txBody>
@@ -26386,7 +26386,7 @@
                 <a:avLst/>
               </a:prstGeom>
               <a:solidFill>
-                <a:schemeClr val="bg1"/>
+                <a:srgbClr val="FFFFE0"/>
               </a:solidFill>
             </p:spPr>
             <p:txBody>
@@ -26425,7 +26425,7 @@
                 <a:avLst/>
               </a:prstGeom>
               <a:solidFill>
-                <a:schemeClr val="bg1"/>
+                <a:srgbClr val="FFFFE0"/>
               </a:solidFill>
             </p:spPr>
             <p:txBody>
@@ -26464,7 +26464,7 @@
                 <a:avLst/>
               </a:prstGeom>
               <a:solidFill>
-                <a:schemeClr val="bg1"/>
+                <a:srgbClr val="FFFFE0"/>
               </a:solidFill>
             </p:spPr>
             <p:txBody>
@@ -26503,7 +26503,7 @@
                 <a:avLst/>
               </a:prstGeom>
               <a:solidFill>
-                <a:schemeClr val="bg1"/>
+                <a:srgbClr val="FFFFE0"/>
               </a:solidFill>
             </p:spPr>
             <p:txBody>
@@ -26542,7 +26542,7 @@
                 <a:avLst/>
               </a:prstGeom>
               <a:solidFill>
-                <a:schemeClr val="bg1"/>
+                <a:srgbClr val="FFFFE0"/>
               </a:solidFill>
             </p:spPr>
             <p:txBody>
@@ -26581,7 +26581,7 @@
                 <a:avLst/>
               </a:prstGeom>
               <a:solidFill>
-                <a:schemeClr val="bg1"/>
+                <a:srgbClr val="FFFFE0"/>
               </a:solidFill>
             </p:spPr>
             <p:txBody>
@@ -26620,7 +26620,7 @@
                 <a:avLst/>
               </a:prstGeom>
               <a:solidFill>
-                <a:schemeClr val="bg1"/>
+                <a:srgbClr val="FFFFE0"/>
               </a:solidFill>
             </p:spPr>
             <p:txBody>
